--- a/paper素材.pptx
+++ b/paper素材.pptx
@@ -162,63 +162,7 @@
     </mc:Fallback>
   </mc:AlternateContent>
   <c:chart>
-    <c:title>
-      <c:tx>
-        <c:rich>
-          <a:bodyPr rot="0" spcFirstLastPara="1" vertOverflow="ellipsis" vert="horz" wrap="square" anchor="ctr" anchorCtr="1"/>
-          <a:lstStyle/>
-          <a:p>
-            <a:pPr>
-              <a:defRPr sz="1400" b="0" i="0" u="none" strike="noStrike" kern="1200" spc="0" baseline="0">
-                <a:solidFill>
-                  <a:schemeClr val="tx1">
-                    <a:lumMod val="65000"/>
-                    <a:lumOff val="35000"/>
-                  </a:schemeClr>
-                </a:solidFill>
-                <a:latin typeface="+mn-lt"/>
-                <a:ea typeface="+mn-ea"/>
-                <a:cs typeface="+mn-cs"/>
-              </a:defRPr>
-            </a:pPr>
-            <a:r>
-              <a:rPr lang="en-US" altLang="zh-TW" dirty="0"/>
-              <a:t>Resource Usage Plot</a:t>
-            </a:r>
-            <a:endParaRPr lang="zh-TW" altLang="en-US" dirty="0"/>
-          </a:p>
-        </c:rich>
-      </c:tx>
-      <c:overlay val="0"/>
-      <c:spPr>
-        <a:noFill/>
-        <a:ln>
-          <a:noFill/>
-        </a:ln>
-        <a:effectLst/>
-      </c:spPr>
-      <c:txPr>
-        <a:bodyPr rot="0" spcFirstLastPara="1" vertOverflow="ellipsis" vert="horz" wrap="square" anchor="ctr" anchorCtr="1"/>
-        <a:lstStyle/>
-        <a:p>
-          <a:pPr>
-            <a:defRPr sz="1400" b="0" i="0" u="none" strike="noStrike" kern="1200" spc="0" baseline="0">
-              <a:solidFill>
-                <a:schemeClr val="tx1">
-                  <a:lumMod val="65000"/>
-                  <a:lumOff val="35000"/>
-                </a:schemeClr>
-              </a:solidFill>
-              <a:latin typeface="+mn-lt"/>
-              <a:ea typeface="+mn-ea"/>
-              <a:cs typeface="+mn-cs"/>
-            </a:defRPr>
-          </a:pPr>
-          <a:endParaRPr lang="zh-TW"/>
-        </a:p>
-      </c:txPr>
-    </c:title>
-    <c:autoTitleDeleted val="0"/>
+    <c:autoTitleDeleted val="1"/>
     <c:plotArea>
       <c:layout/>
       <c:lineChart>
@@ -4765,100 +4709,11 @@
         <c:scaling>
           <c:orientation val="minMax"/>
         </c:scaling>
-        <c:delete val="0"/>
+        <c:delete val="1"/>
         <c:axPos val="b"/>
-        <c:title>
-          <c:tx>
-            <c:rich>
-              <a:bodyPr rot="0" spcFirstLastPara="1" vertOverflow="ellipsis" vert="horz" wrap="square" anchor="ctr" anchorCtr="1"/>
-              <a:lstStyle/>
-              <a:p>
-                <a:pPr>
-                  <a:defRPr sz="1000" b="0" i="0" u="none" strike="noStrike" kern="1200" baseline="0">
-                    <a:solidFill>
-                      <a:schemeClr val="tx1">
-                        <a:lumMod val="65000"/>
-                        <a:lumOff val="35000"/>
-                      </a:schemeClr>
-                    </a:solidFill>
-                    <a:latin typeface="+mn-lt"/>
-                    <a:ea typeface="+mn-ea"/>
-                    <a:cs typeface="+mn-cs"/>
-                  </a:defRPr>
-                </a:pPr>
-                <a:r>
-                  <a:rPr lang="en-US" altLang="zh-TW" dirty="0" err="1"/>
-                  <a:t>TimeStamp</a:t>
-                </a:r>
-                <a:endParaRPr lang="zh-TW" altLang="en-US" dirty="0"/>
-              </a:p>
-            </c:rich>
-          </c:tx>
-          <c:overlay val="0"/>
-          <c:spPr>
-            <a:noFill/>
-            <a:ln>
-              <a:noFill/>
-            </a:ln>
-            <a:effectLst/>
-          </c:spPr>
-          <c:txPr>
-            <a:bodyPr rot="0" spcFirstLastPara="1" vertOverflow="ellipsis" vert="horz" wrap="square" anchor="ctr" anchorCtr="1"/>
-            <a:lstStyle/>
-            <a:p>
-              <a:pPr>
-                <a:defRPr sz="1000" b="0" i="0" u="none" strike="noStrike" kern="1200" baseline="0">
-                  <a:solidFill>
-                    <a:schemeClr val="tx1">
-                      <a:lumMod val="65000"/>
-                      <a:lumOff val="35000"/>
-                    </a:schemeClr>
-                  </a:solidFill>
-                  <a:latin typeface="+mn-lt"/>
-                  <a:ea typeface="+mn-ea"/>
-                  <a:cs typeface="+mn-cs"/>
-                </a:defRPr>
-              </a:pPr>
-              <a:endParaRPr lang="zh-TW"/>
-            </a:p>
-          </c:txPr>
-        </c:title>
         <c:majorTickMark val="none"/>
         <c:minorTickMark val="none"/>
         <c:tickLblPos val="nextTo"/>
-        <c:spPr>
-          <a:noFill/>
-          <a:ln w="9525" cap="flat" cmpd="sng" algn="ctr">
-            <a:solidFill>
-              <a:schemeClr val="tx1">
-                <a:lumMod val="15000"/>
-                <a:lumOff val="85000"/>
-              </a:schemeClr>
-            </a:solidFill>
-            <a:round/>
-          </a:ln>
-          <a:effectLst/>
-        </c:spPr>
-        <c:txPr>
-          <a:bodyPr rot="-60000000" spcFirstLastPara="1" vertOverflow="ellipsis" vert="horz" wrap="square" anchor="ctr" anchorCtr="1"/>
-          <a:lstStyle/>
-          <a:p>
-            <a:pPr>
-              <a:defRPr sz="900" b="0" i="0" u="none" strike="noStrike" kern="1200" baseline="0">
-                <a:solidFill>
-                  <a:schemeClr val="tx1">
-                    <a:lumMod val="65000"/>
-                    <a:lumOff val="35000"/>
-                  </a:schemeClr>
-                </a:solidFill>
-                <a:latin typeface="+mn-lt"/>
-                <a:ea typeface="+mn-ea"/>
-                <a:cs typeface="+mn-cs"/>
-              </a:defRPr>
-            </a:pPr>
-            <a:endParaRPr lang="zh-TW"/>
-          </a:p>
-        </c:txPr>
         <c:crossAx val="1636764607"/>
         <c:crosses val="autoZero"/>
         <c:auto val="1"/>
@@ -4871,109 +4726,12 @@
         <c:scaling>
           <c:orientation val="minMax"/>
         </c:scaling>
-        <c:delete val="0"/>
+        <c:delete val="1"/>
         <c:axPos val="l"/>
-        <c:majorGridlines>
-          <c:spPr>
-            <a:ln w="9525" cap="flat" cmpd="sng" algn="ctr">
-              <a:solidFill>
-                <a:schemeClr val="tx1">
-                  <a:lumMod val="15000"/>
-                  <a:lumOff val="85000"/>
-                </a:schemeClr>
-              </a:solidFill>
-              <a:round/>
-            </a:ln>
-            <a:effectLst/>
-          </c:spPr>
-        </c:majorGridlines>
-        <c:title>
-          <c:tx>
-            <c:rich>
-              <a:bodyPr rot="-5400000" spcFirstLastPara="1" vertOverflow="ellipsis" vert="horz" wrap="square" anchor="ctr" anchorCtr="1"/>
-              <a:lstStyle/>
-              <a:p>
-                <a:pPr>
-                  <a:defRPr sz="1000" b="0" i="0" u="none" strike="noStrike" kern="1200" baseline="0">
-                    <a:solidFill>
-                      <a:schemeClr val="tx1">
-                        <a:lumMod val="65000"/>
-                        <a:lumOff val="35000"/>
-                      </a:schemeClr>
-                    </a:solidFill>
-                    <a:latin typeface="+mn-lt"/>
-                    <a:ea typeface="+mn-ea"/>
-                    <a:cs typeface="+mn-cs"/>
-                  </a:defRPr>
-                </a:pPr>
-                <a:r>
-                  <a:rPr lang="en-US" altLang="zh-TW" dirty="0"/>
-                  <a:t>Usage</a:t>
-                </a:r>
-                <a:endParaRPr lang="zh-TW" altLang="en-US" dirty="0"/>
-              </a:p>
-            </c:rich>
-          </c:tx>
-          <c:overlay val="0"/>
-          <c:spPr>
-            <a:noFill/>
-            <a:ln>
-              <a:noFill/>
-            </a:ln>
-            <a:effectLst/>
-          </c:spPr>
-          <c:txPr>
-            <a:bodyPr rot="-5400000" spcFirstLastPara="1" vertOverflow="ellipsis" vert="horz" wrap="square" anchor="ctr" anchorCtr="1"/>
-            <a:lstStyle/>
-            <a:p>
-              <a:pPr>
-                <a:defRPr sz="1000" b="0" i="0" u="none" strike="noStrike" kern="1200" baseline="0">
-                  <a:solidFill>
-                    <a:schemeClr val="tx1">
-                      <a:lumMod val="65000"/>
-                      <a:lumOff val="35000"/>
-                    </a:schemeClr>
-                  </a:solidFill>
-                  <a:latin typeface="+mn-lt"/>
-                  <a:ea typeface="+mn-ea"/>
-                  <a:cs typeface="+mn-cs"/>
-                </a:defRPr>
-              </a:pPr>
-              <a:endParaRPr lang="zh-TW"/>
-            </a:p>
-          </c:txPr>
-        </c:title>
         <c:numFmt formatCode="General" sourceLinked="1"/>
         <c:majorTickMark val="none"/>
         <c:minorTickMark val="none"/>
         <c:tickLblPos val="nextTo"/>
-        <c:spPr>
-          <a:noFill/>
-          <a:ln>
-            <a:noFill/>
-          </a:ln>
-          <a:effectLst/>
-        </c:spPr>
-        <c:txPr>
-          <a:bodyPr rot="-60000000" spcFirstLastPara="1" vertOverflow="ellipsis" vert="horz" wrap="square" anchor="ctr" anchorCtr="1"/>
-          <a:lstStyle/>
-          <a:p>
-            <a:pPr>
-              <a:defRPr sz="900" b="0" i="0" u="none" strike="noStrike" kern="1200" baseline="0">
-                <a:solidFill>
-                  <a:schemeClr val="tx1">
-                    <a:lumMod val="65000"/>
-                    <a:lumOff val="35000"/>
-                  </a:schemeClr>
-                </a:solidFill>
-                <a:latin typeface="+mn-lt"/>
-                <a:ea typeface="+mn-ea"/>
-                <a:cs typeface="+mn-cs"/>
-              </a:defRPr>
-            </a:pPr>
-            <a:endParaRPr lang="zh-TW"/>
-          </a:p>
-        </c:txPr>
         <c:crossAx val="1636761695"/>
         <c:crosses val="autoZero"/>
         <c:crossBetween val="between"/>
@@ -4986,37 +4744,6 @@
         <a:effectLst/>
       </c:spPr>
     </c:plotArea>
-    <c:legend>
-      <c:legendPos val="b"/>
-      <c:overlay val="0"/>
-      <c:spPr>
-        <a:noFill/>
-        <a:ln>
-          <a:noFill/>
-        </a:ln>
-        <a:effectLst/>
-      </c:spPr>
-      <c:txPr>
-        <a:bodyPr rot="0" spcFirstLastPara="1" vertOverflow="ellipsis" vert="horz" wrap="square" anchor="ctr" anchorCtr="1"/>
-        <a:lstStyle/>
-        <a:p>
-          <a:pPr>
-            <a:defRPr sz="900" b="0" i="0" u="none" strike="noStrike" kern="1200" baseline="0">
-              <a:solidFill>
-                <a:schemeClr val="tx1">
-                  <a:lumMod val="65000"/>
-                  <a:lumOff val="35000"/>
-                </a:schemeClr>
-              </a:solidFill>
-              <a:latin typeface="+mn-lt"/>
-              <a:ea typeface="+mn-ea"/>
-              <a:cs typeface="+mn-cs"/>
-            </a:defRPr>
-          </a:pPr>
-          <a:endParaRPr lang="zh-TW"/>
-        </a:p>
-      </c:txPr>
-    </c:legend>
     <c:plotVisOnly val="1"/>
     <c:dispBlanksAs val="gap"/>
     <c:extLst>
@@ -5689,7 +5416,7 @@
           <a:p>
             <a:fld id="{BB6F5CD0-2D47-4800-987B-4E2819C51B05}" type="datetimeFigureOut">
               <a:rPr lang="zh-TW" altLang="en-US" smtClean="0"/>
-              <a:t>2022/12/5</a:t>
+              <a:t>2022/12/27</a:t>
             </a:fld>
             <a:endParaRPr lang="zh-TW" altLang="en-US"/>
           </a:p>
@@ -6087,7 +5814,7 @@
           <a:p>
             <a:fld id="{875450A1-9F3E-4FE0-8169-54E38890FDC2}" type="datetimeFigureOut">
               <a:rPr lang="zh-TW" altLang="en-US" smtClean="0"/>
-              <a:t>2022/12/5</a:t>
+              <a:t>2022/12/27</a:t>
             </a:fld>
             <a:endParaRPr lang="zh-TW" altLang="en-US"/>
           </a:p>
@@ -6257,7 +5984,7 @@
           <a:p>
             <a:fld id="{875450A1-9F3E-4FE0-8169-54E38890FDC2}" type="datetimeFigureOut">
               <a:rPr lang="zh-TW" altLang="en-US" smtClean="0"/>
-              <a:t>2022/12/5</a:t>
+              <a:t>2022/12/27</a:t>
             </a:fld>
             <a:endParaRPr lang="zh-TW" altLang="en-US"/>
           </a:p>
@@ -6437,7 +6164,7 @@
           <a:p>
             <a:fld id="{875450A1-9F3E-4FE0-8169-54E38890FDC2}" type="datetimeFigureOut">
               <a:rPr lang="zh-TW" altLang="en-US" smtClean="0"/>
-              <a:t>2022/12/5</a:t>
+              <a:t>2022/12/27</a:t>
             </a:fld>
             <a:endParaRPr lang="zh-TW" altLang="en-US"/>
           </a:p>
@@ -6607,7 +6334,7 @@
           <a:p>
             <a:fld id="{875450A1-9F3E-4FE0-8169-54E38890FDC2}" type="datetimeFigureOut">
               <a:rPr lang="zh-TW" altLang="en-US" smtClean="0"/>
-              <a:t>2022/12/5</a:t>
+              <a:t>2022/12/27</a:t>
             </a:fld>
             <a:endParaRPr lang="zh-TW" altLang="en-US"/>
           </a:p>
@@ -6853,7 +6580,7 @@
           <a:p>
             <a:fld id="{875450A1-9F3E-4FE0-8169-54E38890FDC2}" type="datetimeFigureOut">
               <a:rPr lang="zh-TW" altLang="en-US" smtClean="0"/>
-              <a:t>2022/12/5</a:t>
+              <a:t>2022/12/27</a:t>
             </a:fld>
             <a:endParaRPr lang="zh-TW" altLang="en-US"/>
           </a:p>
@@ -7085,7 +6812,7 @@
           <a:p>
             <a:fld id="{875450A1-9F3E-4FE0-8169-54E38890FDC2}" type="datetimeFigureOut">
               <a:rPr lang="zh-TW" altLang="en-US" smtClean="0"/>
-              <a:t>2022/12/5</a:t>
+              <a:t>2022/12/27</a:t>
             </a:fld>
             <a:endParaRPr lang="zh-TW" altLang="en-US"/>
           </a:p>
@@ -7452,7 +7179,7 @@
           <a:p>
             <a:fld id="{875450A1-9F3E-4FE0-8169-54E38890FDC2}" type="datetimeFigureOut">
               <a:rPr lang="zh-TW" altLang="en-US" smtClean="0"/>
-              <a:t>2022/12/5</a:t>
+              <a:t>2022/12/27</a:t>
             </a:fld>
             <a:endParaRPr lang="zh-TW" altLang="en-US"/>
           </a:p>
@@ -7570,7 +7297,7 @@
           <a:p>
             <a:fld id="{875450A1-9F3E-4FE0-8169-54E38890FDC2}" type="datetimeFigureOut">
               <a:rPr lang="zh-TW" altLang="en-US" smtClean="0"/>
-              <a:t>2022/12/5</a:t>
+              <a:t>2022/12/27</a:t>
             </a:fld>
             <a:endParaRPr lang="zh-TW" altLang="en-US"/>
           </a:p>
@@ -7665,7 +7392,7 @@
           <a:p>
             <a:fld id="{875450A1-9F3E-4FE0-8169-54E38890FDC2}" type="datetimeFigureOut">
               <a:rPr lang="zh-TW" altLang="en-US" smtClean="0"/>
-              <a:t>2022/12/5</a:t>
+              <a:t>2022/12/27</a:t>
             </a:fld>
             <a:endParaRPr lang="zh-TW" altLang="en-US"/>
           </a:p>
@@ -7942,7 +7669,7 @@
           <a:p>
             <a:fld id="{875450A1-9F3E-4FE0-8169-54E38890FDC2}" type="datetimeFigureOut">
               <a:rPr lang="zh-TW" altLang="en-US" smtClean="0"/>
-              <a:t>2022/12/5</a:t>
+              <a:t>2022/12/27</a:t>
             </a:fld>
             <a:endParaRPr lang="zh-TW" altLang="en-US"/>
           </a:p>
@@ -8199,7 +7926,7 @@
           <a:p>
             <a:fld id="{875450A1-9F3E-4FE0-8169-54E38890FDC2}" type="datetimeFigureOut">
               <a:rPr lang="zh-TW" altLang="en-US" smtClean="0"/>
-              <a:t>2022/12/5</a:t>
+              <a:t>2022/12/27</a:t>
             </a:fld>
             <a:endParaRPr lang="zh-TW" altLang="en-US"/>
           </a:p>
@@ -8412,7 +8139,7 @@
           <a:p>
             <a:fld id="{875450A1-9F3E-4FE0-8169-54E38890FDC2}" type="datetimeFigureOut">
               <a:rPr lang="zh-TW" altLang="en-US" smtClean="0"/>
-              <a:t>2022/12/5</a:t>
+              <a:t>2022/12/27</a:t>
             </a:fld>
             <a:endParaRPr lang="zh-TW" altLang="en-US"/>
           </a:p>
@@ -16259,8 +15986,8 @@
           </a:fontRef>
         </p:style>
       </p:cxnSp>
-      <mc:AlternateContent xmlns:mc="http://schemas.openxmlformats.org/markup-compatibility/2006">
-        <mc:Choice xmlns:a14="http://schemas.microsoft.com/office/drawing/2010/main" Requires="a14">
+      <mc:AlternateContent xmlns:mc="http://schemas.openxmlformats.org/markup-compatibility/2006" xmlns:a14="http://schemas.microsoft.com/office/drawing/2010/main">
+        <mc:Choice Requires="a14">
           <p:sp>
             <p:nvSpPr>
               <p:cNvPr id="25" name="矩形: 圓角 24">
@@ -16371,7 +16098,7 @@
             </p:txBody>
           </p:sp>
         </mc:Choice>
-        <mc:Fallback>
+        <mc:Fallback xmlns="">
           <p:sp>
             <p:nvSpPr>
               <p:cNvPr id="25" name="矩形: 圓角 24">
@@ -16424,8 +16151,8 @@
           </p:sp>
         </mc:Fallback>
       </mc:AlternateContent>
-      <mc:AlternateContent xmlns:mc="http://schemas.openxmlformats.org/markup-compatibility/2006">
-        <mc:Choice xmlns:a14="http://schemas.microsoft.com/office/drawing/2010/main" Requires="a14">
+      <mc:AlternateContent xmlns:mc="http://schemas.openxmlformats.org/markup-compatibility/2006" xmlns:a14="http://schemas.microsoft.com/office/drawing/2010/main">
+        <mc:Choice Requires="a14">
           <p:sp>
             <p:nvSpPr>
               <p:cNvPr id="28" name="矩形: 圓角 27">
@@ -16536,7 +16263,7 @@
             </p:txBody>
           </p:sp>
         </mc:Choice>
-        <mc:Fallback>
+        <mc:Fallback xmlns="">
           <p:sp>
             <p:nvSpPr>
               <p:cNvPr id="28" name="矩形: 圓角 27">
@@ -16589,8 +16316,8 @@
           </p:sp>
         </mc:Fallback>
       </mc:AlternateContent>
-      <mc:AlternateContent xmlns:mc="http://schemas.openxmlformats.org/markup-compatibility/2006">
-        <mc:Choice xmlns:a14="http://schemas.microsoft.com/office/drawing/2010/main" Requires="a14">
+      <mc:AlternateContent xmlns:mc="http://schemas.openxmlformats.org/markup-compatibility/2006" xmlns:a14="http://schemas.microsoft.com/office/drawing/2010/main">
+        <mc:Choice Requires="a14">
           <p:sp>
             <p:nvSpPr>
               <p:cNvPr id="31" name="矩形: 圓角 30">
@@ -16701,7 +16428,7 @@
             </p:txBody>
           </p:sp>
         </mc:Choice>
-        <mc:Fallback>
+        <mc:Fallback xmlns="">
           <p:sp>
             <p:nvSpPr>
               <p:cNvPr id="31" name="矩形: 圓角 30">
@@ -16754,8 +16481,8 @@
           </p:sp>
         </mc:Fallback>
       </mc:AlternateContent>
-      <mc:AlternateContent xmlns:mc="http://schemas.openxmlformats.org/markup-compatibility/2006">
-        <mc:Choice xmlns:a14="http://schemas.microsoft.com/office/drawing/2010/main" Requires="a14">
+      <mc:AlternateContent xmlns:mc="http://schemas.openxmlformats.org/markup-compatibility/2006" xmlns:a14="http://schemas.microsoft.com/office/drawing/2010/main">
+        <mc:Choice Requires="a14">
           <p:sp>
             <p:nvSpPr>
               <p:cNvPr id="36" name="矩形: 圓角 35">
@@ -16887,7 +16614,7 @@
             </p:txBody>
           </p:sp>
         </mc:Choice>
-        <mc:Fallback>
+        <mc:Fallback xmlns="">
           <p:sp>
             <p:nvSpPr>
               <p:cNvPr id="36" name="矩形: 圓角 35">
@@ -16940,8 +16667,8 @@
           </p:sp>
         </mc:Fallback>
       </mc:AlternateContent>
-      <mc:AlternateContent xmlns:mc="http://schemas.openxmlformats.org/markup-compatibility/2006">
-        <mc:Choice xmlns:a14="http://schemas.microsoft.com/office/drawing/2010/main" Requires="a14">
+      <mc:AlternateContent xmlns:mc="http://schemas.openxmlformats.org/markup-compatibility/2006" xmlns:a14="http://schemas.microsoft.com/office/drawing/2010/main">
+        <mc:Choice Requires="a14">
           <p:sp>
             <p:nvSpPr>
               <p:cNvPr id="39" name="矩形: 圓角 38">
@@ -17073,7 +16800,7 @@
             </p:txBody>
           </p:sp>
         </mc:Choice>
-        <mc:Fallback>
+        <mc:Fallback xmlns="">
           <p:sp>
             <p:nvSpPr>
               <p:cNvPr id="39" name="矩形: 圓角 38">
@@ -17126,8 +16853,8 @@
           </p:sp>
         </mc:Fallback>
       </mc:AlternateContent>
-      <mc:AlternateContent xmlns:mc="http://schemas.openxmlformats.org/markup-compatibility/2006">
-        <mc:Choice xmlns:a14="http://schemas.microsoft.com/office/drawing/2010/main" Requires="a14">
+      <mc:AlternateContent xmlns:mc="http://schemas.openxmlformats.org/markup-compatibility/2006" xmlns:a14="http://schemas.microsoft.com/office/drawing/2010/main">
+        <mc:Choice Requires="a14">
           <p:sp>
             <p:nvSpPr>
               <p:cNvPr id="40" name="矩形: 圓角 39">
@@ -17259,7 +16986,7 @@
             </p:txBody>
           </p:sp>
         </mc:Choice>
-        <mc:Fallback>
+        <mc:Fallback xmlns="">
           <p:sp>
             <p:nvSpPr>
               <p:cNvPr id="40" name="矩形: 圓角 39">
@@ -18344,7 +18071,7 @@
           <p:nvPr>
             <p:extLst>
               <p:ext uri="{D42A27DB-BD31-4B8C-83A1-F6EECF244321}">
-                <p14:modId xmlns:p14="http://schemas.microsoft.com/office/powerpoint/2010/main" val="1385968243"/>
+                <p14:modId xmlns:p14="http://schemas.microsoft.com/office/powerpoint/2010/main" val="182497776"/>
               </p:ext>
             </p:extLst>
           </p:nvPr>
